--- a/google play/그래픽.pptx
+++ b/google play/그래픽.pptx
@@ -107,6 +107,11 @@
       </a:defRPr>
     </a:lvl9pPr>
   </p:defaultTextStyle>
+  <p:extLst>
+    <p:ext uri="{EFAFB233-063F-42B5-8137-9DF3F51BA10A}">
+      <p15:sldGuideLst xmlns:p15="http://schemas.microsoft.com/office/powerpoint/2012/main"/>
+    </p:ext>
+  </p:extLst>
 </p:presentation>
 </file>
 
@@ -257,7 +262,7 @@
           <a:p>
             <a:fld id="{B56686E9-8632-471C-8DCC-300EF4304DF8}" type="datetimeFigureOut">
               <a:rPr lang="ko-KR" altLang="en-US" smtClean="0"/>
-              <a:t>2020-12-27</a:t>
+              <a:t>2021-07-17</a:t>
             </a:fld>
             <a:endParaRPr lang="ko-KR" altLang="en-US"/>
           </a:p>
@@ -455,7 +460,7 @@
           <a:p>
             <a:fld id="{B56686E9-8632-471C-8DCC-300EF4304DF8}" type="datetimeFigureOut">
               <a:rPr lang="ko-KR" altLang="en-US" smtClean="0"/>
-              <a:t>2020-12-27</a:t>
+              <a:t>2021-07-17</a:t>
             </a:fld>
             <a:endParaRPr lang="ko-KR" altLang="en-US"/>
           </a:p>
@@ -663,7 +668,7 @@
           <a:p>
             <a:fld id="{B56686E9-8632-471C-8DCC-300EF4304DF8}" type="datetimeFigureOut">
               <a:rPr lang="ko-KR" altLang="en-US" smtClean="0"/>
-              <a:t>2020-12-27</a:t>
+              <a:t>2021-07-17</a:t>
             </a:fld>
             <a:endParaRPr lang="ko-KR" altLang="en-US"/>
           </a:p>
@@ -861,7 +866,7 @@
           <a:p>
             <a:fld id="{B56686E9-8632-471C-8DCC-300EF4304DF8}" type="datetimeFigureOut">
               <a:rPr lang="ko-KR" altLang="en-US" smtClean="0"/>
-              <a:t>2020-12-27</a:t>
+              <a:t>2021-07-17</a:t>
             </a:fld>
             <a:endParaRPr lang="ko-KR" altLang="en-US"/>
           </a:p>
@@ -1136,7 +1141,7 @@
           <a:p>
             <a:fld id="{B56686E9-8632-471C-8DCC-300EF4304DF8}" type="datetimeFigureOut">
               <a:rPr lang="ko-KR" altLang="en-US" smtClean="0"/>
-              <a:t>2020-12-27</a:t>
+              <a:t>2021-07-17</a:t>
             </a:fld>
             <a:endParaRPr lang="ko-KR" altLang="en-US"/>
           </a:p>
@@ -1401,7 +1406,7 @@
           <a:p>
             <a:fld id="{B56686E9-8632-471C-8DCC-300EF4304DF8}" type="datetimeFigureOut">
               <a:rPr lang="ko-KR" altLang="en-US" smtClean="0"/>
-              <a:t>2020-12-27</a:t>
+              <a:t>2021-07-17</a:t>
             </a:fld>
             <a:endParaRPr lang="ko-KR" altLang="en-US"/>
           </a:p>
@@ -1813,7 +1818,7 @@
           <a:p>
             <a:fld id="{B56686E9-8632-471C-8DCC-300EF4304DF8}" type="datetimeFigureOut">
               <a:rPr lang="ko-KR" altLang="en-US" smtClean="0"/>
-              <a:t>2020-12-27</a:t>
+              <a:t>2021-07-17</a:t>
             </a:fld>
             <a:endParaRPr lang="ko-KR" altLang="en-US"/>
           </a:p>
@@ -1954,7 +1959,7 @@
           <a:p>
             <a:fld id="{B56686E9-8632-471C-8DCC-300EF4304DF8}" type="datetimeFigureOut">
               <a:rPr lang="ko-KR" altLang="en-US" smtClean="0"/>
-              <a:t>2020-12-27</a:t>
+              <a:t>2021-07-17</a:t>
             </a:fld>
             <a:endParaRPr lang="ko-KR" altLang="en-US"/>
           </a:p>
@@ -2067,7 +2072,7 @@
           <a:p>
             <a:fld id="{B56686E9-8632-471C-8DCC-300EF4304DF8}" type="datetimeFigureOut">
               <a:rPr lang="ko-KR" altLang="en-US" smtClean="0"/>
-              <a:t>2020-12-27</a:t>
+              <a:t>2021-07-17</a:t>
             </a:fld>
             <a:endParaRPr lang="ko-KR" altLang="en-US"/>
           </a:p>
@@ -2378,7 +2383,7 @@
           <a:p>
             <a:fld id="{B56686E9-8632-471C-8DCC-300EF4304DF8}" type="datetimeFigureOut">
               <a:rPr lang="ko-KR" altLang="en-US" smtClean="0"/>
-              <a:t>2020-12-27</a:t>
+              <a:t>2021-07-17</a:t>
             </a:fld>
             <a:endParaRPr lang="ko-KR" altLang="en-US"/>
           </a:p>
@@ -2666,7 +2671,7 @@
           <a:p>
             <a:fld id="{B56686E9-8632-471C-8DCC-300EF4304DF8}" type="datetimeFigureOut">
               <a:rPr lang="ko-KR" altLang="en-US" smtClean="0"/>
-              <a:t>2020-12-27</a:t>
+              <a:t>2021-07-17</a:t>
             </a:fld>
             <a:endParaRPr lang="ko-KR" altLang="en-US"/>
           </a:p>
@@ -2907,7 +2912,7 @@
           <a:p>
             <a:fld id="{B56686E9-8632-471C-8DCC-300EF4304DF8}" type="datetimeFigureOut">
               <a:rPr lang="ko-KR" altLang="en-US" smtClean="0"/>
-              <a:t>2020-12-27</a:t>
+              <a:t>2021-07-17</a:t>
             </a:fld>
             <a:endParaRPr lang="ko-KR" altLang="en-US"/>
           </a:p>
@@ -3326,191 +3331,6 @@
       </p:grpSpPr>
       <p:grpSp>
         <p:nvGrpSpPr>
-          <p:cNvPr id="26" name="그룹 25">
-            <a:extLst>
-              <a:ext uri="{FF2B5EF4-FFF2-40B4-BE49-F238E27FC236}">
-                <a16:creationId xmlns:a16="http://schemas.microsoft.com/office/drawing/2014/main" id="{A2D19A8B-AF7B-4788-8B8A-DD1951BD34EE}"/>
-              </a:ext>
-            </a:extLst>
-          </p:cNvPr>
-          <p:cNvGrpSpPr/>
-          <p:nvPr/>
-        </p:nvGrpSpPr>
-        <p:grpSpPr>
-          <a:xfrm>
-            <a:off x="700481" y="394282"/>
-            <a:ext cx="3473042" cy="5834543"/>
-            <a:chOff x="700481" y="394282"/>
-            <a:chExt cx="3473042" cy="5834543"/>
-          </a:xfrm>
-        </p:grpSpPr>
-        <p:grpSp>
-          <p:nvGrpSpPr>
-            <p:cNvPr id="10" name="그룹 9">
-              <a:extLst>
-                <a:ext uri="{FF2B5EF4-FFF2-40B4-BE49-F238E27FC236}">
-                  <a16:creationId xmlns:a16="http://schemas.microsoft.com/office/drawing/2014/main" id="{76A100DA-F9C4-4C8E-8E79-49FB5845C73D}"/>
-                </a:ext>
-              </a:extLst>
-            </p:cNvPr>
-            <p:cNvGrpSpPr/>
-            <p:nvPr/>
-          </p:nvGrpSpPr>
-          <p:grpSpPr>
-            <a:xfrm>
-              <a:off x="700481" y="394282"/>
-              <a:ext cx="3473042" cy="5834543"/>
-              <a:chOff x="704675" y="369115"/>
-              <a:chExt cx="3473042" cy="5834543"/>
-            </a:xfrm>
-          </p:grpSpPr>
-          <p:sp>
-            <p:nvSpPr>
-              <p:cNvPr id="6" name="사각형: 둥근 모서리 5">
-                <a:extLst>
-                  <a:ext uri="{FF2B5EF4-FFF2-40B4-BE49-F238E27FC236}">
-                    <a16:creationId xmlns:a16="http://schemas.microsoft.com/office/drawing/2014/main" id="{F5E3B4CD-2578-4739-8598-32AE762E8502}"/>
-                  </a:ext>
-                </a:extLst>
-              </p:cNvPr>
-              <p:cNvSpPr/>
-              <p:nvPr/>
-            </p:nvSpPr>
-            <p:spPr>
-              <a:xfrm>
-                <a:off x="704675" y="369115"/>
-                <a:ext cx="3473042" cy="5834543"/>
-              </a:xfrm>
-              <a:prstGeom prst="roundRect">
-                <a:avLst/>
-              </a:prstGeom>
-              <a:solidFill>
-                <a:schemeClr val="bg1"/>
-              </a:solidFill>
-              <a:ln>
-                <a:solidFill>
-                  <a:schemeClr val="bg1">
-                    <a:lumMod val="85000"/>
-                  </a:schemeClr>
-                </a:solidFill>
-              </a:ln>
-            </p:spPr>
-            <p:style>
-              <a:lnRef idx="2">
-                <a:schemeClr val="accent1">
-                  <a:shade val="50000"/>
-                </a:schemeClr>
-              </a:lnRef>
-              <a:fillRef idx="1">
-                <a:schemeClr val="accent1"/>
-              </a:fillRef>
-              <a:effectRef idx="0">
-                <a:schemeClr val="accent1"/>
-              </a:effectRef>
-              <a:fontRef idx="minor">
-                <a:schemeClr val="lt1"/>
-              </a:fontRef>
-            </p:style>
-            <p:txBody>
-              <a:bodyPr rtlCol="0" anchor="ctr"/>
-              <a:lstStyle/>
-              <a:p>
-                <a:pPr algn="ctr"/>
-                <a:endParaRPr lang="ko-KR" altLang="en-US"/>
-              </a:p>
-            </p:txBody>
-          </p:sp>
-          <p:cxnSp>
-            <p:nvCxnSpPr>
-              <p:cNvPr id="8" name="직선 연결선 7">
-                <a:extLst>
-                  <a:ext uri="{FF2B5EF4-FFF2-40B4-BE49-F238E27FC236}">
-                    <a16:creationId xmlns:a16="http://schemas.microsoft.com/office/drawing/2014/main" id="{0C8FC892-1FCC-4ACE-8850-BD6F493D6BF6}"/>
-                  </a:ext>
-                </a:extLst>
-              </p:cNvPr>
-              <p:cNvCxnSpPr>
-                <a:cxnSpLocks/>
-              </p:cNvCxnSpPr>
-              <p:nvPr/>
-            </p:nvCxnSpPr>
-            <p:spPr>
-              <a:xfrm>
-                <a:off x="2004969" y="620785"/>
-                <a:ext cx="864066" cy="0"/>
-              </a:xfrm>
-              <a:prstGeom prst="line">
-                <a:avLst/>
-              </a:prstGeom>
-              <a:ln w="28575">
-                <a:solidFill>
-                  <a:schemeClr val="bg1">
-                    <a:lumMod val="85000"/>
-                  </a:schemeClr>
-                </a:solidFill>
-              </a:ln>
-            </p:spPr>
-            <p:style>
-              <a:lnRef idx="1">
-                <a:schemeClr val="accent1"/>
-              </a:lnRef>
-              <a:fillRef idx="0">
-                <a:schemeClr val="accent1"/>
-              </a:fillRef>
-              <a:effectRef idx="0">
-                <a:schemeClr val="accent1"/>
-              </a:effectRef>
-              <a:fontRef idx="minor">
-                <a:schemeClr val="tx1"/>
-              </a:fontRef>
-            </p:style>
-          </p:cxnSp>
-        </p:grpSp>
-        <p:pic>
-          <p:nvPicPr>
-            <p:cNvPr id="5" name="그림 4">
-              <a:extLst>
-                <a:ext uri="{FF2B5EF4-FFF2-40B4-BE49-F238E27FC236}">
-                  <a16:creationId xmlns:a16="http://schemas.microsoft.com/office/drawing/2014/main" id="{1AC645FE-D612-4B80-9CAD-0DD9D71F3B66}"/>
-                </a:ext>
-              </a:extLst>
-            </p:cNvPr>
-            <p:cNvPicPr>
-              <a:picLocks noChangeAspect="1"/>
-            </p:cNvPicPr>
-            <p:nvPr/>
-          </p:nvPicPr>
-          <p:blipFill rotWithShape="1">
-            <a:blip r:embed="rId2">
-              <a:extLst>
-                <a:ext uri="{28A0092B-C50C-407E-A947-70E740481C1C}">
-                  <a14:useLocalDpi xmlns:a14="http://schemas.microsoft.com/office/drawing/2010/main" val="0"/>
-                </a:ext>
-              </a:extLst>
-            </a:blip>
-            <a:srcRect t="261"/>
-            <a:stretch/>
-          </p:blipFill>
-          <p:spPr>
-            <a:xfrm>
-              <a:off x="906110" y="1008778"/>
-              <a:ext cx="3061784" cy="4806888"/>
-            </a:xfrm>
-            <a:prstGeom prst="rect">
-              <a:avLst/>
-            </a:prstGeom>
-            <a:ln>
-              <a:solidFill>
-                <a:schemeClr val="bg1">
-                  <a:lumMod val="85000"/>
-                </a:schemeClr>
-              </a:solidFill>
-            </a:ln>
-          </p:spPr>
-        </p:pic>
-      </p:grpSp>
-      <p:grpSp>
-        <p:nvGrpSpPr>
           <p:cNvPr id="27" name="그룹 26">
             <a:extLst>
               <a:ext uri="{FF2B5EF4-FFF2-40B4-BE49-F238E27FC236}">
@@ -3666,7 +3486,7 @@
             <p:nvPr/>
           </p:nvPicPr>
           <p:blipFill>
-            <a:blip r:embed="rId3">
+            <a:blip r:embed="rId2">
               <a:extLst>
                 <a:ext uri="{28A0092B-C50C-407E-A947-70E740481C1C}">
                   <a14:useLocalDpi xmlns:a14="http://schemas.microsoft.com/office/drawing/2010/main" val="0"/>
@@ -3852,7 +3672,7 @@
             <p:nvPr/>
           </p:nvPicPr>
           <p:blipFill>
-            <a:blip r:embed="rId4">
+            <a:blip r:embed="rId3">
               <a:extLst>
                 <a:ext uri="{28A0092B-C50C-407E-A947-70E740481C1C}">
                   <a14:useLocalDpi xmlns:a14="http://schemas.microsoft.com/office/drawing/2010/main" val="0"/>
@@ -3881,42 +3701,12 @@
           </p:spPr>
         </p:pic>
       </p:grpSp>
-    </p:spTree>
-    <p:extLst>
-      <p:ext uri="{BB962C8B-B14F-4D97-AF65-F5344CB8AC3E}">
-        <p14:creationId xmlns:p14="http://schemas.microsoft.com/office/powerpoint/2010/main" val="1999199817"/>
-      </p:ext>
-    </p:extLst>
-  </p:cSld>
-  <p:clrMapOvr>
-    <a:masterClrMapping/>
-  </p:clrMapOvr>
-</p:sld>
-</file>
-
-<file path=ppt/slides/slide2.xml><?xml version="1.0" encoding="utf-8"?>
-<p:sld xmlns:a="http://schemas.openxmlformats.org/drawingml/2006/main" xmlns:r="http://schemas.openxmlformats.org/officeDocument/2006/relationships" xmlns:p="http://schemas.openxmlformats.org/presentationml/2006/main">
-  <p:cSld>
-    <p:spTree>
-      <p:nvGrpSpPr>
-        <p:cNvPr id="1" name=""/>
-        <p:cNvGrpSpPr/>
-        <p:nvPr/>
-      </p:nvGrpSpPr>
-      <p:grpSpPr>
-        <a:xfrm>
-          <a:off x="0" y="0"/>
-          <a:ext cx="0" cy="0"/>
-          <a:chOff x="0" y="0"/>
-          <a:chExt cx="0" cy="0"/>
-        </a:xfrm>
-      </p:grpSpPr>
       <p:grpSp>
         <p:nvGrpSpPr>
-          <p:cNvPr id="23" name="그룹 22">
-            <a:extLst>
-              <a:ext uri="{FF2B5EF4-FFF2-40B4-BE49-F238E27FC236}">
-                <a16:creationId xmlns:a16="http://schemas.microsoft.com/office/drawing/2014/main" id="{6169BBDF-7C46-48D4-BFF4-35273D650D98}"/>
+          <p:cNvPr id="4" name="그룹 3">
+            <a:extLst>
+              <a:ext uri="{FF2B5EF4-FFF2-40B4-BE49-F238E27FC236}">
+                <a16:creationId xmlns:a16="http://schemas.microsoft.com/office/drawing/2014/main" id="{F889109F-AD0F-449D-BF88-6A9075B59DC8}"/>
               </a:ext>
             </a:extLst>
           </p:cNvPr>
@@ -3925,72 +3715,18 @@
         </p:nvGrpSpPr>
         <p:grpSpPr>
           <a:xfrm>
-            <a:off x="101296" y="104863"/>
-            <a:ext cx="4202885" cy="6522440"/>
-            <a:chOff x="101296" y="104863"/>
-            <a:chExt cx="4202885" cy="6522440"/>
+            <a:off x="700481" y="394282"/>
+            <a:ext cx="3473042" cy="5834543"/>
+            <a:chOff x="700481" y="394282"/>
+            <a:chExt cx="3473042" cy="5834543"/>
           </a:xfrm>
         </p:grpSpPr>
-        <p:sp>
-          <p:nvSpPr>
-            <p:cNvPr id="10" name="직사각형 9">
+        <p:grpSp>
+          <p:nvGrpSpPr>
+            <p:cNvPr id="26" name="그룹 25">
               <a:extLst>
                 <a:ext uri="{FF2B5EF4-FFF2-40B4-BE49-F238E27FC236}">
-                  <a16:creationId xmlns:a16="http://schemas.microsoft.com/office/drawing/2014/main" id="{3ED51B3B-1E55-472F-964E-A0C109192F0A}"/>
-                </a:ext>
-              </a:extLst>
-            </p:cNvPr>
-            <p:cNvSpPr/>
-            <p:nvPr/>
-          </p:nvSpPr>
-          <p:spPr>
-            <a:xfrm>
-              <a:off x="101296" y="104863"/>
-              <a:ext cx="4202885" cy="6522440"/>
-            </a:xfrm>
-            <a:prstGeom prst="rect">
-              <a:avLst/>
-            </a:prstGeom>
-            <a:solidFill>
-              <a:schemeClr val="bg1">
-                <a:lumMod val="95000"/>
-              </a:schemeClr>
-            </a:solidFill>
-            <a:ln>
-              <a:noFill/>
-            </a:ln>
-          </p:spPr>
-          <p:style>
-            <a:lnRef idx="2">
-              <a:schemeClr val="accent1">
-                <a:shade val="50000"/>
-              </a:schemeClr>
-            </a:lnRef>
-            <a:fillRef idx="1">
-              <a:schemeClr val="accent1"/>
-            </a:fillRef>
-            <a:effectRef idx="0">
-              <a:schemeClr val="accent1"/>
-            </a:effectRef>
-            <a:fontRef idx="minor">
-              <a:schemeClr val="lt1"/>
-            </a:fontRef>
-          </p:style>
-          <p:txBody>
-            <a:bodyPr rtlCol="0" anchor="ctr"/>
-            <a:lstStyle/>
-            <a:p>
-              <a:pPr algn="ctr"/>
-              <a:endParaRPr lang="ko-KR" altLang="en-US"/>
-            </a:p>
-          </p:txBody>
-        </p:sp>
-        <p:grpSp>
-          <p:nvGrpSpPr>
-            <p:cNvPr id="4" name="그룹 3">
-              <a:extLst>
-                <a:ext uri="{FF2B5EF4-FFF2-40B4-BE49-F238E27FC236}">
-                  <a16:creationId xmlns:a16="http://schemas.microsoft.com/office/drawing/2014/main" id="{F553C1E1-58F0-497C-9158-0A9644F66D40}"/>
+                  <a16:creationId xmlns:a16="http://schemas.microsoft.com/office/drawing/2014/main" id="{A2D19A8B-AF7B-4788-8B8A-DD1951BD34EE}"/>
                 </a:ext>
               </a:extLst>
             </p:cNvPr>
@@ -3999,18 +3735,18 @@
           </p:nvGrpSpPr>
           <p:grpSpPr>
             <a:xfrm>
-              <a:off x="805780" y="1727058"/>
-              <a:ext cx="2793914" cy="4693640"/>
+              <a:off x="700481" y="394282"/>
+              <a:ext cx="3473042" cy="5834543"/>
               <a:chOff x="700481" y="394282"/>
               <a:chExt cx="3473042" cy="5834543"/>
             </a:xfrm>
           </p:grpSpPr>
           <p:grpSp>
             <p:nvGrpSpPr>
-              <p:cNvPr id="5" name="그룹 4">
+              <p:cNvPr id="10" name="그룹 9">
                 <a:extLst>
                   <a:ext uri="{FF2B5EF4-FFF2-40B4-BE49-F238E27FC236}">
-                    <a16:creationId xmlns:a16="http://schemas.microsoft.com/office/drawing/2014/main" id="{99913304-E18B-4994-884E-C022BABBC0B2}"/>
+                    <a16:creationId xmlns:a16="http://schemas.microsoft.com/office/drawing/2014/main" id="{76A100DA-F9C4-4C8E-8E79-49FB5845C73D}"/>
                   </a:ext>
                 </a:extLst>
               </p:cNvPr>
@@ -4027,10 +3763,10 @@
             </p:grpSpPr>
             <p:sp>
               <p:nvSpPr>
-                <p:cNvPr id="7" name="사각형: 둥근 모서리 6">
+                <p:cNvPr id="6" name="사각형: 둥근 모서리 5">
                   <a:extLst>
                     <a:ext uri="{FF2B5EF4-FFF2-40B4-BE49-F238E27FC236}">
-                      <a16:creationId xmlns:a16="http://schemas.microsoft.com/office/drawing/2014/main" id="{1F8B9D18-0170-47B2-9A0F-34A5F7E19DBF}"/>
+                      <a16:creationId xmlns:a16="http://schemas.microsoft.com/office/drawing/2014/main" id="{F5E3B4CD-2578-4739-8598-32AE762E8502}"/>
                     </a:ext>
                   </a:extLst>
                 </p:cNvPr>
@@ -4051,7 +3787,7 @@
                 <a:ln>
                   <a:solidFill>
                     <a:schemeClr val="bg1">
-                      <a:lumMod val="95000"/>
+                      <a:lumMod val="85000"/>
                     </a:schemeClr>
                   </a:solidFill>
                 </a:ln>
@@ -4077,7 +3813,7 @@
                 <a:lstStyle/>
                 <a:p>
                   <a:pPr algn="ctr"/>
-                  <a:endParaRPr lang="ko-KR" altLang="en-US" dirty="0"/>
+                  <a:endParaRPr lang="ko-KR" altLang="en-US"/>
                 </a:p>
               </p:txBody>
             </p:sp>
@@ -4086,7 +3822,7 @@
                 <p:cNvPr id="8" name="직선 연결선 7">
                   <a:extLst>
                     <a:ext uri="{FF2B5EF4-FFF2-40B4-BE49-F238E27FC236}">
-                      <a16:creationId xmlns:a16="http://schemas.microsoft.com/office/drawing/2014/main" id="{E75F6043-DE8F-4E0C-A7D6-444B5750CFD7}"/>
+                      <a16:creationId xmlns:a16="http://schemas.microsoft.com/office/drawing/2014/main" id="{0C8FC892-1FCC-4ACE-8850-BD6F493D6BF6}"/>
                     </a:ext>
                   </a:extLst>
                 </p:cNvPr>
@@ -4129,10 +3865,10 @@
           </p:grpSp>
           <p:pic>
             <p:nvPicPr>
-              <p:cNvPr id="6" name="그림 5">
+              <p:cNvPr id="5" name="그림 4">
                 <a:extLst>
                   <a:ext uri="{FF2B5EF4-FFF2-40B4-BE49-F238E27FC236}">
-                    <a16:creationId xmlns:a16="http://schemas.microsoft.com/office/drawing/2014/main" id="{59BBA692-D89A-47E6-8BA3-1DC249371C06}"/>
+                    <a16:creationId xmlns:a16="http://schemas.microsoft.com/office/drawing/2014/main" id="{1AC645FE-D612-4B80-9CAD-0DD9D71F3B66}"/>
                   </a:ext>
                 </a:extLst>
               </p:cNvPr>
@@ -4142,7 +3878,7 @@
               <p:nvPr/>
             </p:nvPicPr>
             <p:blipFill rotWithShape="1">
-              <a:blip r:embed="rId2">
+              <a:blip r:embed="rId4">
                 <a:extLst>
                   <a:ext uri="{28A0092B-C50C-407E-A947-70E740481C1C}">
                     <a14:useLocalDpi xmlns:a14="http://schemas.microsoft.com/office/drawing/2010/main" val="0"/>
@@ -4170,68 +3906,72 @@
             </p:spPr>
           </p:pic>
         </p:grpSp>
-        <p:sp>
-          <p:nvSpPr>
-            <p:cNvPr id="9" name="TextBox 8">
+        <p:pic>
+          <p:nvPicPr>
+            <p:cNvPr id="3" name="그림 2">
               <a:extLst>
                 <a:ext uri="{FF2B5EF4-FFF2-40B4-BE49-F238E27FC236}">
-                  <a16:creationId xmlns:a16="http://schemas.microsoft.com/office/drawing/2014/main" id="{C73F3458-C142-438A-88CD-74281F1AD217}"/>
+                  <a16:creationId xmlns:a16="http://schemas.microsoft.com/office/drawing/2014/main" id="{FD27F5B6-E161-4B2B-AA95-498D69894318}"/>
                 </a:ext>
               </a:extLst>
             </p:cNvPr>
-            <p:cNvSpPr txBox="1"/>
+            <p:cNvPicPr>
+              <a:picLocks noChangeAspect="1"/>
+            </p:cNvPicPr>
             <p:nvPr/>
-          </p:nvSpPr>
+          </p:nvPicPr>
+          <p:blipFill rotWithShape="1">
+            <a:blip r:embed="rId5">
+              <a:extLst>
+                <a:ext uri="{28A0092B-C50C-407E-A947-70E740481C1C}">
+                  <a14:useLocalDpi xmlns:a14="http://schemas.microsoft.com/office/drawing/2010/main" val="0"/>
+                </a:ext>
+              </a:extLst>
+            </a:blip>
+            <a:srcRect b="22840"/>
+            <a:stretch/>
+          </p:blipFill>
           <p:spPr>
             <a:xfrm>
-              <a:off x="896130" y="516926"/>
-              <a:ext cx="2613215" cy="800219"/>
+              <a:off x="909201" y="1008778"/>
+              <a:ext cx="3058694" cy="4806885"/>
             </a:xfrm>
             <a:prstGeom prst="rect">
               <a:avLst/>
             </a:prstGeom>
-            <a:noFill/>
           </p:spPr>
-          <p:txBody>
-            <a:bodyPr wrap="none" rtlCol="0">
-              <a:spAutoFit/>
-            </a:bodyPr>
-            <a:lstStyle/>
-            <a:p>
-              <a:pPr algn="ctr"/>
-              <a:r>
-                <a:rPr lang="ko-KR" altLang="en-US" dirty="0">
-                  <a:latin typeface="빙그레체" panose="02030803000000000000" pitchFamily="18" charset="-127"/>
-                  <a:ea typeface="빙그레체" panose="02030803000000000000" pitchFamily="18" charset="-127"/>
-                </a:rPr>
-                <a:t>당첨번호 조회</a:t>
-              </a:r>
-              <a:endParaRPr lang="en-US" altLang="ko-KR" dirty="0">
-                <a:latin typeface="빙그레체" panose="02030803000000000000" pitchFamily="18" charset="-127"/>
-                <a:ea typeface="빙그레체" panose="02030803000000000000" pitchFamily="18" charset="-127"/>
-              </a:endParaRPr>
-            </a:p>
-            <a:p>
-              <a:pPr algn="ctr"/>
-              <a:endParaRPr lang="en-US" altLang="ko-KR" dirty="0">
-                <a:latin typeface="빙그레체" panose="02030803000000000000" pitchFamily="18" charset="-127"/>
-                <a:ea typeface="빙그레체" panose="02030803000000000000" pitchFamily="18" charset="-127"/>
-              </a:endParaRPr>
-            </a:p>
-            <a:p>
-              <a:pPr algn="ctr"/>
-              <a:r>
-                <a:rPr lang="ko-KR" altLang="en-US" sz="1000" dirty="0">
-                  <a:latin typeface="KoPubWorld돋움체_Pro Light" panose="00000300000000000000" pitchFamily="50" charset="-127"/>
-                  <a:ea typeface="KoPubWorld돋움체_Pro Light" panose="00000300000000000000" pitchFamily="50" charset="-127"/>
-                  <a:cs typeface="KoPubWorld돋움체_Pro Light" panose="00000300000000000000" pitchFamily="50" charset="-127"/>
-                </a:rPr>
-                <a:t>매주 업데이트 되는 당첨번호를 바로 확인하세요</a:t>
-              </a:r>
-            </a:p>
-          </p:txBody>
-        </p:sp>
+        </p:pic>
       </p:grpSp>
+    </p:spTree>
+    <p:extLst>
+      <p:ext uri="{BB962C8B-B14F-4D97-AF65-F5344CB8AC3E}">
+        <p14:creationId xmlns:p14="http://schemas.microsoft.com/office/powerpoint/2010/main" val="1999199817"/>
+      </p:ext>
+    </p:extLst>
+  </p:cSld>
+  <p:clrMapOvr>
+    <a:masterClrMapping/>
+  </p:clrMapOvr>
+</p:sld>
+</file>
+
+<file path=ppt/slides/slide2.xml><?xml version="1.0" encoding="utf-8"?>
+<p:sld xmlns:a="http://schemas.openxmlformats.org/drawingml/2006/main" xmlns:r="http://schemas.openxmlformats.org/officeDocument/2006/relationships" xmlns:p="http://schemas.openxmlformats.org/presentationml/2006/main">
+  <p:cSld>
+    <p:spTree>
+      <p:nvGrpSpPr>
+        <p:cNvPr id="1" name=""/>
+        <p:cNvGrpSpPr/>
+        <p:nvPr/>
+      </p:nvGrpSpPr>
+      <p:grpSpPr>
+        <a:xfrm>
+          <a:off x="0" y="0"/>
+          <a:ext cx="0" cy="0"/>
+          <a:chOff x="0" y="0"/>
+          <a:chExt cx="0" cy="0"/>
+        </a:xfrm>
+      </p:grpSpPr>
       <p:grpSp>
         <p:nvGrpSpPr>
           <p:cNvPr id="24" name="그룹 23">
@@ -4463,7 +4203,7 @@
               <p:nvPr/>
             </p:nvPicPr>
             <p:blipFill>
-              <a:blip r:embed="rId3">
+              <a:blip r:embed="rId2">
                 <a:extLst>
                   <a:ext uri="{28A0092B-C50C-407E-A947-70E740481C1C}">
                     <a14:useLocalDpi xmlns:a14="http://schemas.microsoft.com/office/drawing/2010/main" val="0"/>
@@ -4553,6 +4293,383 @@
             </a:p>
           </p:txBody>
         </p:sp>
+      </p:grpSp>
+      <p:grpSp>
+        <p:nvGrpSpPr>
+          <p:cNvPr id="2" name="그룹 1">
+            <a:extLst>
+              <a:ext uri="{FF2B5EF4-FFF2-40B4-BE49-F238E27FC236}">
+                <a16:creationId xmlns:a16="http://schemas.microsoft.com/office/drawing/2014/main" id="{09BC4CAB-0CA8-4E88-AC30-B499CD64AAF4}"/>
+              </a:ext>
+            </a:extLst>
+          </p:cNvPr>
+          <p:cNvGrpSpPr/>
+          <p:nvPr/>
+        </p:nvGrpSpPr>
+        <p:grpSpPr>
+          <a:xfrm>
+            <a:off x="101296" y="104863"/>
+            <a:ext cx="4202885" cy="6522440"/>
+            <a:chOff x="101296" y="104863"/>
+            <a:chExt cx="4202885" cy="6522440"/>
+          </a:xfrm>
+        </p:grpSpPr>
+        <p:grpSp>
+          <p:nvGrpSpPr>
+            <p:cNvPr id="23" name="그룹 22">
+              <a:extLst>
+                <a:ext uri="{FF2B5EF4-FFF2-40B4-BE49-F238E27FC236}">
+                  <a16:creationId xmlns:a16="http://schemas.microsoft.com/office/drawing/2014/main" id="{6169BBDF-7C46-48D4-BFF4-35273D650D98}"/>
+                </a:ext>
+              </a:extLst>
+            </p:cNvPr>
+            <p:cNvGrpSpPr/>
+            <p:nvPr/>
+          </p:nvGrpSpPr>
+          <p:grpSpPr>
+            <a:xfrm>
+              <a:off x="101296" y="104863"/>
+              <a:ext cx="4202885" cy="6522440"/>
+              <a:chOff x="101296" y="104863"/>
+              <a:chExt cx="4202885" cy="6522440"/>
+            </a:xfrm>
+          </p:grpSpPr>
+          <p:sp>
+            <p:nvSpPr>
+              <p:cNvPr id="10" name="직사각형 9">
+                <a:extLst>
+                  <a:ext uri="{FF2B5EF4-FFF2-40B4-BE49-F238E27FC236}">
+                    <a16:creationId xmlns:a16="http://schemas.microsoft.com/office/drawing/2014/main" id="{3ED51B3B-1E55-472F-964E-A0C109192F0A}"/>
+                  </a:ext>
+                </a:extLst>
+              </p:cNvPr>
+              <p:cNvSpPr/>
+              <p:nvPr/>
+            </p:nvSpPr>
+            <p:spPr>
+              <a:xfrm>
+                <a:off x="101296" y="104863"/>
+                <a:ext cx="4202885" cy="6522440"/>
+              </a:xfrm>
+              <a:prstGeom prst="rect">
+                <a:avLst/>
+              </a:prstGeom>
+              <a:solidFill>
+                <a:schemeClr val="bg1">
+                  <a:lumMod val="95000"/>
+                </a:schemeClr>
+              </a:solidFill>
+              <a:ln>
+                <a:noFill/>
+              </a:ln>
+            </p:spPr>
+            <p:style>
+              <a:lnRef idx="2">
+                <a:schemeClr val="accent1">
+                  <a:shade val="50000"/>
+                </a:schemeClr>
+              </a:lnRef>
+              <a:fillRef idx="1">
+                <a:schemeClr val="accent1"/>
+              </a:fillRef>
+              <a:effectRef idx="0">
+                <a:schemeClr val="accent1"/>
+              </a:effectRef>
+              <a:fontRef idx="minor">
+                <a:schemeClr val="lt1"/>
+              </a:fontRef>
+            </p:style>
+            <p:txBody>
+              <a:bodyPr rtlCol="0" anchor="ctr"/>
+              <a:lstStyle/>
+              <a:p>
+                <a:pPr algn="ctr"/>
+                <a:endParaRPr lang="ko-KR" altLang="en-US"/>
+              </a:p>
+            </p:txBody>
+          </p:sp>
+          <p:grpSp>
+            <p:nvGrpSpPr>
+              <p:cNvPr id="4" name="그룹 3">
+                <a:extLst>
+                  <a:ext uri="{FF2B5EF4-FFF2-40B4-BE49-F238E27FC236}">
+                    <a16:creationId xmlns:a16="http://schemas.microsoft.com/office/drawing/2014/main" id="{F553C1E1-58F0-497C-9158-0A9644F66D40}"/>
+                  </a:ext>
+                </a:extLst>
+              </p:cNvPr>
+              <p:cNvGrpSpPr/>
+              <p:nvPr/>
+            </p:nvGrpSpPr>
+            <p:grpSpPr>
+              <a:xfrm>
+                <a:off x="805780" y="1727058"/>
+                <a:ext cx="2793914" cy="4693640"/>
+                <a:chOff x="700481" y="394282"/>
+                <a:chExt cx="3473042" cy="5834543"/>
+              </a:xfrm>
+            </p:grpSpPr>
+            <p:grpSp>
+              <p:nvGrpSpPr>
+                <p:cNvPr id="5" name="그룹 4">
+                  <a:extLst>
+                    <a:ext uri="{FF2B5EF4-FFF2-40B4-BE49-F238E27FC236}">
+                      <a16:creationId xmlns:a16="http://schemas.microsoft.com/office/drawing/2014/main" id="{99913304-E18B-4994-884E-C022BABBC0B2}"/>
+                    </a:ext>
+                  </a:extLst>
+                </p:cNvPr>
+                <p:cNvGrpSpPr/>
+                <p:nvPr/>
+              </p:nvGrpSpPr>
+              <p:grpSpPr>
+                <a:xfrm>
+                  <a:off x="700481" y="394282"/>
+                  <a:ext cx="3473042" cy="5834543"/>
+                  <a:chOff x="704675" y="369115"/>
+                  <a:chExt cx="3473042" cy="5834543"/>
+                </a:xfrm>
+              </p:grpSpPr>
+              <p:sp>
+                <p:nvSpPr>
+                  <p:cNvPr id="7" name="사각형: 둥근 모서리 6">
+                    <a:extLst>
+                      <a:ext uri="{FF2B5EF4-FFF2-40B4-BE49-F238E27FC236}">
+                        <a16:creationId xmlns:a16="http://schemas.microsoft.com/office/drawing/2014/main" id="{1F8B9D18-0170-47B2-9A0F-34A5F7E19DBF}"/>
+                      </a:ext>
+                    </a:extLst>
+                  </p:cNvPr>
+                  <p:cNvSpPr/>
+                  <p:nvPr/>
+                </p:nvSpPr>
+                <p:spPr>
+                  <a:xfrm>
+                    <a:off x="704675" y="369115"/>
+                    <a:ext cx="3473042" cy="5834543"/>
+                  </a:xfrm>
+                  <a:prstGeom prst="roundRect">
+                    <a:avLst/>
+                  </a:prstGeom>
+                  <a:solidFill>
+                    <a:schemeClr val="bg1"/>
+                  </a:solidFill>
+                  <a:ln>
+                    <a:solidFill>
+                      <a:schemeClr val="bg1">
+                        <a:lumMod val="95000"/>
+                      </a:schemeClr>
+                    </a:solidFill>
+                  </a:ln>
+                </p:spPr>
+                <p:style>
+                  <a:lnRef idx="2">
+                    <a:schemeClr val="accent1">
+                      <a:shade val="50000"/>
+                    </a:schemeClr>
+                  </a:lnRef>
+                  <a:fillRef idx="1">
+                    <a:schemeClr val="accent1"/>
+                  </a:fillRef>
+                  <a:effectRef idx="0">
+                    <a:schemeClr val="accent1"/>
+                  </a:effectRef>
+                  <a:fontRef idx="minor">
+                    <a:schemeClr val="lt1"/>
+                  </a:fontRef>
+                </p:style>
+                <p:txBody>
+                  <a:bodyPr rtlCol="0" anchor="ctr"/>
+                  <a:lstStyle/>
+                  <a:p>
+                    <a:pPr algn="ctr"/>
+                    <a:endParaRPr lang="ko-KR" altLang="en-US" dirty="0"/>
+                  </a:p>
+                </p:txBody>
+              </p:sp>
+              <p:cxnSp>
+                <p:nvCxnSpPr>
+                  <p:cNvPr id="8" name="직선 연결선 7">
+                    <a:extLst>
+                      <a:ext uri="{FF2B5EF4-FFF2-40B4-BE49-F238E27FC236}">
+                        <a16:creationId xmlns:a16="http://schemas.microsoft.com/office/drawing/2014/main" id="{E75F6043-DE8F-4E0C-A7D6-444B5750CFD7}"/>
+                      </a:ext>
+                    </a:extLst>
+                  </p:cNvPr>
+                  <p:cNvCxnSpPr>
+                    <a:cxnSpLocks/>
+                  </p:cNvCxnSpPr>
+                  <p:nvPr/>
+                </p:nvCxnSpPr>
+                <p:spPr>
+                  <a:xfrm>
+                    <a:off x="2004969" y="620785"/>
+                    <a:ext cx="864066" cy="0"/>
+                  </a:xfrm>
+                  <a:prstGeom prst="line">
+                    <a:avLst/>
+                  </a:prstGeom>
+                  <a:ln w="28575">
+                    <a:solidFill>
+                      <a:schemeClr val="bg1">
+                        <a:lumMod val="85000"/>
+                      </a:schemeClr>
+                    </a:solidFill>
+                  </a:ln>
+                </p:spPr>
+                <p:style>
+                  <a:lnRef idx="1">
+                    <a:schemeClr val="accent1"/>
+                  </a:lnRef>
+                  <a:fillRef idx="0">
+                    <a:schemeClr val="accent1"/>
+                  </a:fillRef>
+                  <a:effectRef idx="0">
+                    <a:schemeClr val="accent1"/>
+                  </a:effectRef>
+                  <a:fontRef idx="minor">
+                    <a:schemeClr val="tx1"/>
+                  </a:fontRef>
+                </p:style>
+              </p:cxnSp>
+            </p:grpSp>
+            <p:pic>
+              <p:nvPicPr>
+                <p:cNvPr id="6" name="그림 5">
+                  <a:extLst>
+                    <a:ext uri="{FF2B5EF4-FFF2-40B4-BE49-F238E27FC236}">
+                      <a16:creationId xmlns:a16="http://schemas.microsoft.com/office/drawing/2014/main" id="{59BBA692-D89A-47E6-8BA3-1DC249371C06}"/>
+                    </a:ext>
+                  </a:extLst>
+                </p:cNvPr>
+                <p:cNvPicPr>
+                  <a:picLocks noChangeAspect="1"/>
+                </p:cNvPicPr>
+                <p:nvPr/>
+              </p:nvPicPr>
+              <p:blipFill rotWithShape="1">
+                <a:blip r:embed="rId3">
+                  <a:extLst>
+                    <a:ext uri="{28A0092B-C50C-407E-A947-70E740481C1C}">
+                      <a14:useLocalDpi xmlns:a14="http://schemas.microsoft.com/office/drawing/2010/main" val="0"/>
+                    </a:ext>
+                  </a:extLst>
+                </a:blip>
+                <a:srcRect t="261"/>
+                <a:stretch/>
+              </p:blipFill>
+              <p:spPr>
+                <a:xfrm>
+                  <a:off x="906110" y="1008778"/>
+                  <a:ext cx="3061784" cy="4806888"/>
+                </a:xfrm>
+                <a:prstGeom prst="rect">
+                  <a:avLst/>
+                </a:prstGeom>
+                <a:ln>
+                  <a:solidFill>
+                    <a:schemeClr val="bg1">
+                      <a:lumMod val="85000"/>
+                    </a:schemeClr>
+                  </a:solidFill>
+                </a:ln>
+              </p:spPr>
+            </p:pic>
+          </p:grpSp>
+          <p:sp>
+            <p:nvSpPr>
+              <p:cNvPr id="9" name="TextBox 8">
+                <a:extLst>
+                  <a:ext uri="{FF2B5EF4-FFF2-40B4-BE49-F238E27FC236}">
+                    <a16:creationId xmlns:a16="http://schemas.microsoft.com/office/drawing/2014/main" id="{C73F3458-C142-438A-88CD-74281F1AD217}"/>
+                  </a:ext>
+                </a:extLst>
+              </p:cNvPr>
+              <p:cNvSpPr txBox="1"/>
+              <p:nvPr/>
+            </p:nvSpPr>
+            <p:spPr>
+              <a:xfrm>
+                <a:off x="896130" y="516926"/>
+                <a:ext cx="2613215" cy="800219"/>
+              </a:xfrm>
+              <a:prstGeom prst="rect">
+                <a:avLst/>
+              </a:prstGeom>
+              <a:noFill/>
+            </p:spPr>
+            <p:txBody>
+              <a:bodyPr wrap="none" rtlCol="0">
+                <a:spAutoFit/>
+              </a:bodyPr>
+              <a:lstStyle/>
+              <a:p>
+                <a:pPr algn="ctr"/>
+                <a:r>
+                  <a:rPr lang="ko-KR" altLang="en-US" dirty="0">
+                    <a:latin typeface="빙그레체" panose="02030803000000000000" pitchFamily="18" charset="-127"/>
+                    <a:ea typeface="빙그레체" panose="02030803000000000000" pitchFamily="18" charset="-127"/>
+                  </a:rPr>
+                  <a:t>당첨번호 조회</a:t>
+                </a:r>
+                <a:endParaRPr lang="en-US" altLang="ko-KR" dirty="0">
+                  <a:latin typeface="빙그레체" panose="02030803000000000000" pitchFamily="18" charset="-127"/>
+                  <a:ea typeface="빙그레체" panose="02030803000000000000" pitchFamily="18" charset="-127"/>
+                </a:endParaRPr>
+              </a:p>
+              <a:p>
+                <a:pPr algn="ctr"/>
+                <a:endParaRPr lang="en-US" altLang="ko-KR" dirty="0">
+                  <a:latin typeface="빙그레체" panose="02030803000000000000" pitchFamily="18" charset="-127"/>
+                  <a:ea typeface="빙그레체" panose="02030803000000000000" pitchFamily="18" charset="-127"/>
+                </a:endParaRPr>
+              </a:p>
+              <a:p>
+                <a:pPr algn="ctr"/>
+                <a:r>
+                  <a:rPr lang="ko-KR" altLang="en-US" sz="1000" dirty="0">
+                    <a:latin typeface="KoPubWorld돋움체_Pro Light" panose="00000300000000000000" pitchFamily="50" charset="-127"/>
+                    <a:ea typeface="KoPubWorld돋움체_Pro Light" panose="00000300000000000000" pitchFamily="50" charset="-127"/>
+                    <a:cs typeface="KoPubWorld돋움체_Pro Light" panose="00000300000000000000" pitchFamily="50" charset="-127"/>
+                  </a:rPr>
+                  <a:t>매주 업데이트 되는 당첨번호를 바로 확인하세요</a:t>
+                </a:r>
+              </a:p>
+            </p:txBody>
+          </p:sp>
+        </p:grpSp>
+        <p:pic>
+          <p:nvPicPr>
+            <p:cNvPr id="18" name="그림 17">
+              <a:extLst>
+                <a:ext uri="{FF2B5EF4-FFF2-40B4-BE49-F238E27FC236}">
+                  <a16:creationId xmlns:a16="http://schemas.microsoft.com/office/drawing/2014/main" id="{688957AC-CE8D-4578-9ED3-DCC27FBAEFF6}"/>
+                </a:ext>
+              </a:extLst>
+            </p:cNvPr>
+            <p:cNvPicPr>
+              <a:picLocks noChangeAspect="1"/>
+            </p:cNvPicPr>
+            <p:nvPr/>
+          </p:nvPicPr>
+          <p:blipFill rotWithShape="1">
+            <a:blip r:embed="rId4">
+              <a:extLst>
+                <a:ext uri="{28A0092B-C50C-407E-A947-70E740481C1C}">
+                  <a14:useLocalDpi xmlns:a14="http://schemas.microsoft.com/office/drawing/2010/main" val="0"/>
+                </a:ext>
+              </a:extLst>
+            </a:blip>
+            <a:srcRect b="22840"/>
+            <a:stretch/>
+          </p:blipFill>
+          <p:spPr>
+            <a:xfrm>
+              <a:off x="971200" y="2217491"/>
+              <a:ext cx="2463074" cy="3870839"/>
+            </a:xfrm>
+            <a:prstGeom prst="rect">
+              <a:avLst/>
+            </a:prstGeom>
+          </p:spPr>
+        </p:pic>
       </p:grpSp>
     </p:spTree>
     <p:extLst>
@@ -4908,10 +5025,10 @@
       </p:grpSp>
       <p:grpSp>
         <p:nvGrpSpPr>
-          <p:cNvPr id="23" name="그룹 22">
-            <a:extLst>
-              <a:ext uri="{FF2B5EF4-FFF2-40B4-BE49-F238E27FC236}">
-                <a16:creationId xmlns:a16="http://schemas.microsoft.com/office/drawing/2014/main" id="{D16EE3BE-2365-43BD-A622-58E310689D42}"/>
+          <p:cNvPr id="2" name="그룹 1">
+            <a:extLst>
+              <a:ext uri="{FF2B5EF4-FFF2-40B4-BE49-F238E27FC236}">
+                <a16:creationId xmlns:a16="http://schemas.microsoft.com/office/drawing/2014/main" id="{3D13D9B3-63C5-4D95-BE16-765CE123B953}"/>
               </a:ext>
             </a:extLst>
           </p:cNvPr>
@@ -4926,150 +5043,12 @@
             <a:chExt cx="4202885" cy="6522440"/>
           </a:xfrm>
         </p:grpSpPr>
-        <p:sp>
-          <p:nvSpPr>
-            <p:cNvPr id="16" name="직사각형 15">
+        <p:grpSp>
+          <p:nvGrpSpPr>
+            <p:cNvPr id="23" name="그룹 22">
               <a:extLst>
                 <a:ext uri="{FF2B5EF4-FFF2-40B4-BE49-F238E27FC236}">
-                  <a16:creationId xmlns:a16="http://schemas.microsoft.com/office/drawing/2014/main" id="{9DE3ACD6-9DDF-4B69-A8A8-F61326B2F315}"/>
-                </a:ext>
-              </a:extLst>
-            </p:cNvPr>
-            <p:cNvSpPr/>
-            <p:nvPr/>
-          </p:nvSpPr>
-          <p:spPr>
-            <a:xfrm>
-              <a:off x="699711" y="104863"/>
-              <a:ext cx="4202885" cy="6522440"/>
-            </a:xfrm>
-            <a:prstGeom prst="rect">
-              <a:avLst/>
-            </a:prstGeom>
-            <a:solidFill>
-              <a:schemeClr val="bg1">
-                <a:lumMod val="95000"/>
-              </a:schemeClr>
-            </a:solidFill>
-            <a:ln>
-              <a:noFill/>
-            </a:ln>
-          </p:spPr>
-          <p:style>
-            <a:lnRef idx="2">
-              <a:schemeClr val="accent1">
-                <a:shade val="50000"/>
-              </a:schemeClr>
-            </a:lnRef>
-            <a:fillRef idx="1">
-              <a:schemeClr val="accent1"/>
-            </a:fillRef>
-            <a:effectRef idx="0">
-              <a:schemeClr val="accent1"/>
-            </a:effectRef>
-            <a:fontRef idx="minor">
-              <a:schemeClr val="lt1"/>
-            </a:fontRef>
-          </p:style>
-          <p:txBody>
-            <a:bodyPr rtlCol="0" anchor="ctr"/>
-            <a:lstStyle/>
-            <a:p>
-              <a:pPr algn="ctr"/>
-              <a:endParaRPr lang="ko-KR" altLang="en-US"/>
-            </a:p>
-          </p:txBody>
-        </p:sp>
-        <p:sp>
-          <p:nvSpPr>
-            <p:cNvPr id="17" name="TextBox 16">
-              <a:extLst>
-                <a:ext uri="{FF2B5EF4-FFF2-40B4-BE49-F238E27FC236}">
-                  <a16:creationId xmlns:a16="http://schemas.microsoft.com/office/drawing/2014/main" id="{E83A8965-C58C-46F6-BE74-E3F17F18112F}"/>
-                </a:ext>
-              </a:extLst>
-            </p:cNvPr>
-            <p:cNvSpPr txBox="1"/>
-            <p:nvPr/>
-          </p:nvSpPr>
-          <p:spPr>
-            <a:xfrm>
-              <a:off x="1156947" y="515851"/>
-              <a:ext cx="3281669" cy="800219"/>
-            </a:xfrm>
-            <a:prstGeom prst="rect">
-              <a:avLst/>
-            </a:prstGeom>
-            <a:noFill/>
-          </p:spPr>
-          <p:txBody>
-            <a:bodyPr wrap="none" rtlCol="0">
-              <a:spAutoFit/>
-            </a:bodyPr>
-            <a:lstStyle/>
-            <a:p>
-              <a:pPr algn="ctr"/>
-              <a:r>
-                <a:rPr lang="en-US" altLang="ko-KR" dirty="0">
-                  <a:latin typeface="빙그레체" panose="02030803000000000000" pitchFamily="18" charset="-127"/>
-                  <a:ea typeface="빙그레체" panose="02030803000000000000" pitchFamily="18" charset="-127"/>
-                </a:rPr>
-                <a:t>QR</a:t>
-              </a:r>
-              <a:r>
-                <a:rPr lang="ko-KR" altLang="en-US" dirty="0">
-                  <a:latin typeface="빙그레체" panose="02030803000000000000" pitchFamily="18" charset="-127"/>
-                  <a:ea typeface="빙그레체" panose="02030803000000000000" pitchFamily="18" charset="-127"/>
-                </a:rPr>
-                <a:t>코드 당첨 결과 확인</a:t>
-              </a:r>
-              <a:endParaRPr lang="en-US" altLang="ko-KR" dirty="0">
-                <a:latin typeface="빙그레체" panose="02030803000000000000" pitchFamily="18" charset="-127"/>
-                <a:ea typeface="빙그레체" panose="02030803000000000000" pitchFamily="18" charset="-127"/>
-              </a:endParaRPr>
-            </a:p>
-            <a:p>
-              <a:pPr algn="ctr"/>
-              <a:endParaRPr lang="en-US" altLang="ko-KR" dirty="0">
-                <a:latin typeface="빙그레체" panose="02030803000000000000" pitchFamily="18" charset="-127"/>
-                <a:ea typeface="빙그레체" panose="02030803000000000000" pitchFamily="18" charset="-127"/>
-              </a:endParaRPr>
-            </a:p>
-            <a:p>
-              <a:pPr algn="ctr"/>
-              <a:r>
-                <a:rPr lang="ko-KR" altLang="en-US" sz="1000" dirty="0">
-                  <a:latin typeface="KoPubWorld돋움체_Pro Light" panose="00000300000000000000" pitchFamily="50" charset="-127"/>
-                  <a:ea typeface="KoPubWorld돋움체_Pro Light" panose="00000300000000000000" pitchFamily="50" charset="-127"/>
-                  <a:cs typeface="KoPubWorld돋움체_Pro Light" panose="00000300000000000000" pitchFamily="50" charset="-127"/>
-                </a:rPr>
-                <a:t>하나씩 맞춰보지 마시고 </a:t>
-              </a:r>
-              <a:r>
-                <a:rPr lang="en-US" altLang="ko-KR" sz="1000" dirty="0">
-                  <a:latin typeface="KoPubWorld돋움체_Pro Light" panose="00000300000000000000" pitchFamily="50" charset="-127"/>
-                  <a:ea typeface="KoPubWorld돋움체_Pro Light" panose="00000300000000000000" pitchFamily="50" charset="-127"/>
-                  <a:cs typeface="KoPubWorld돋움체_Pro Light" panose="00000300000000000000" pitchFamily="50" charset="-127"/>
-                </a:rPr>
-                <a:t>QR</a:t>
-              </a:r>
-              <a:r>
-                <a:rPr lang="ko-KR" altLang="en-US" sz="1000" dirty="0">
-                  <a:latin typeface="KoPubWorld돋움체_Pro Light" panose="00000300000000000000" pitchFamily="50" charset="-127"/>
-                  <a:ea typeface="KoPubWorld돋움체_Pro Light" panose="00000300000000000000" pitchFamily="50" charset="-127"/>
-                  <a:cs typeface="KoPubWorld돋움체_Pro Light" panose="00000300000000000000" pitchFamily="50" charset="-127"/>
-                </a:rPr>
-                <a:t>코드 스캔으로 한번에 확인하세요</a:t>
-              </a:r>
-            </a:p>
-          </p:txBody>
-        </p:sp>
-        <p:grpSp>
-          <p:nvGrpSpPr>
-            <p:cNvPr id="18" name="그룹 17">
-              <a:extLst>
-                <a:ext uri="{FF2B5EF4-FFF2-40B4-BE49-F238E27FC236}">
-                  <a16:creationId xmlns:a16="http://schemas.microsoft.com/office/drawing/2014/main" id="{CF711FB6-C635-4132-A193-5EBDE903D728}"/>
+                  <a16:creationId xmlns:a16="http://schemas.microsoft.com/office/drawing/2014/main" id="{D16EE3BE-2365-43BD-A622-58E310689D42}"/>
                 </a:ext>
               </a:extLst>
             </p:cNvPr>
@@ -5078,18 +5057,442 @@
           </p:nvGrpSpPr>
           <p:grpSpPr>
             <a:xfrm>
-              <a:off x="1400825" y="1727058"/>
-              <a:ext cx="2793912" cy="4693638"/>
+              <a:off x="699711" y="104863"/>
+              <a:ext cx="4202885" cy="6522440"/>
+              <a:chOff x="699711" y="104863"/>
+              <a:chExt cx="4202885" cy="6522440"/>
+            </a:xfrm>
+          </p:grpSpPr>
+          <p:sp>
+            <p:nvSpPr>
+              <p:cNvPr id="16" name="직사각형 15">
+                <a:extLst>
+                  <a:ext uri="{FF2B5EF4-FFF2-40B4-BE49-F238E27FC236}">
+                    <a16:creationId xmlns:a16="http://schemas.microsoft.com/office/drawing/2014/main" id="{9DE3ACD6-9DDF-4B69-A8A8-F61326B2F315}"/>
+                  </a:ext>
+                </a:extLst>
+              </p:cNvPr>
+              <p:cNvSpPr/>
+              <p:nvPr/>
+            </p:nvSpPr>
+            <p:spPr>
+              <a:xfrm>
+                <a:off x="699711" y="104863"/>
+                <a:ext cx="4202885" cy="6522440"/>
+              </a:xfrm>
+              <a:prstGeom prst="rect">
+                <a:avLst/>
+              </a:prstGeom>
+              <a:solidFill>
+                <a:schemeClr val="bg1">
+                  <a:lumMod val="95000"/>
+                </a:schemeClr>
+              </a:solidFill>
+              <a:ln>
+                <a:noFill/>
+              </a:ln>
+            </p:spPr>
+            <p:style>
+              <a:lnRef idx="2">
+                <a:schemeClr val="accent1">
+                  <a:shade val="50000"/>
+                </a:schemeClr>
+              </a:lnRef>
+              <a:fillRef idx="1">
+                <a:schemeClr val="accent1"/>
+              </a:fillRef>
+              <a:effectRef idx="0">
+                <a:schemeClr val="accent1"/>
+              </a:effectRef>
+              <a:fontRef idx="minor">
+                <a:schemeClr val="lt1"/>
+              </a:fontRef>
+            </p:style>
+            <p:txBody>
+              <a:bodyPr rtlCol="0" anchor="ctr"/>
+              <a:lstStyle/>
+              <a:p>
+                <a:pPr algn="ctr"/>
+                <a:endParaRPr lang="ko-KR" altLang="en-US"/>
+              </a:p>
+            </p:txBody>
+          </p:sp>
+          <p:sp>
+            <p:nvSpPr>
+              <p:cNvPr id="17" name="TextBox 16">
+                <a:extLst>
+                  <a:ext uri="{FF2B5EF4-FFF2-40B4-BE49-F238E27FC236}">
+                    <a16:creationId xmlns:a16="http://schemas.microsoft.com/office/drawing/2014/main" id="{E83A8965-C58C-46F6-BE74-E3F17F18112F}"/>
+                  </a:ext>
+                </a:extLst>
+              </p:cNvPr>
+              <p:cNvSpPr txBox="1"/>
+              <p:nvPr/>
+            </p:nvSpPr>
+            <p:spPr>
+              <a:xfrm>
+                <a:off x="1156947" y="515851"/>
+                <a:ext cx="3281669" cy="800219"/>
+              </a:xfrm>
+              <a:prstGeom prst="rect">
+                <a:avLst/>
+              </a:prstGeom>
+              <a:noFill/>
+            </p:spPr>
+            <p:txBody>
+              <a:bodyPr wrap="none" rtlCol="0">
+                <a:spAutoFit/>
+              </a:bodyPr>
+              <a:lstStyle/>
+              <a:p>
+                <a:pPr algn="ctr"/>
+                <a:r>
+                  <a:rPr lang="en-US" altLang="ko-KR" dirty="0">
+                    <a:latin typeface="빙그레체" panose="02030803000000000000" pitchFamily="18" charset="-127"/>
+                    <a:ea typeface="빙그레체" panose="02030803000000000000" pitchFamily="18" charset="-127"/>
+                  </a:rPr>
+                  <a:t>QR</a:t>
+                </a:r>
+                <a:r>
+                  <a:rPr lang="ko-KR" altLang="en-US" dirty="0">
+                    <a:latin typeface="빙그레체" panose="02030803000000000000" pitchFamily="18" charset="-127"/>
+                    <a:ea typeface="빙그레체" panose="02030803000000000000" pitchFamily="18" charset="-127"/>
+                  </a:rPr>
+                  <a:t>코드 당첨 결과 확인</a:t>
+                </a:r>
+                <a:endParaRPr lang="en-US" altLang="ko-KR" dirty="0">
+                  <a:latin typeface="빙그레체" panose="02030803000000000000" pitchFamily="18" charset="-127"/>
+                  <a:ea typeface="빙그레체" panose="02030803000000000000" pitchFamily="18" charset="-127"/>
+                </a:endParaRPr>
+              </a:p>
+              <a:p>
+                <a:pPr algn="ctr"/>
+                <a:endParaRPr lang="en-US" altLang="ko-KR" dirty="0">
+                  <a:latin typeface="빙그레체" panose="02030803000000000000" pitchFamily="18" charset="-127"/>
+                  <a:ea typeface="빙그레체" panose="02030803000000000000" pitchFamily="18" charset="-127"/>
+                </a:endParaRPr>
+              </a:p>
+              <a:p>
+                <a:pPr algn="ctr"/>
+                <a:r>
+                  <a:rPr lang="ko-KR" altLang="en-US" sz="1000" dirty="0">
+                    <a:latin typeface="KoPubWorld돋움체_Pro Light" panose="00000300000000000000" pitchFamily="50" charset="-127"/>
+                    <a:ea typeface="KoPubWorld돋움체_Pro Light" panose="00000300000000000000" pitchFamily="50" charset="-127"/>
+                    <a:cs typeface="KoPubWorld돋움체_Pro Light" panose="00000300000000000000" pitchFamily="50" charset="-127"/>
+                  </a:rPr>
+                  <a:t>하나씩 맞춰보지 마시고 </a:t>
+                </a:r>
+                <a:r>
+                  <a:rPr lang="en-US" altLang="ko-KR" sz="1000" dirty="0">
+                    <a:latin typeface="KoPubWorld돋움체_Pro Light" panose="00000300000000000000" pitchFamily="50" charset="-127"/>
+                    <a:ea typeface="KoPubWorld돋움체_Pro Light" panose="00000300000000000000" pitchFamily="50" charset="-127"/>
+                    <a:cs typeface="KoPubWorld돋움체_Pro Light" panose="00000300000000000000" pitchFamily="50" charset="-127"/>
+                  </a:rPr>
+                  <a:t>QR</a:t>
+                </a:r>
+                <a:r>
+                  <a:rPr lang="ko-KR" altLang="en-US" sz="1000" dirty="0">
+                    <a:latin typeface="KoPubWorld돋움체_Pro Light" panose="00000300000000000000" pitchFamily="50" charset="-127"/>
+                    <a:ea typeface="KoPubWorld돋움체_Pro Light" panose="00000300000000000000" pitchFamily="50" charset="-127"/>
+                    <a:cs typeface="KoPubWorld돋움체_Pro Light" panose="00000300000000000000" pitchFamily="50" charset="-127"/>
+                  </a:rPr>
+                  <a:t>코드 스캔으로 한번에 확인하세요</a:t>
+                </a:r>
+              </a:p>
+            </p:txBody>
+          </p:sp>
+          <p:grpSp>
+            <p:nvGrpSpPr>
+              <p:cNvPr id="18" name="그룹 17">
+                <a:extLst>
+                  <a:ext uri="{FF2B5EF4-FFF2-40B4-BE49-F238E27FC236}">
+                    <a16:creationId xmlns:a16="http://schemas.microsoft.com/office/drawing/2014/main" id="{CF711FB6-C635-4132-A193-5EBDE903D728}"/>
+                  </a:ext>
+                </a:extLst>
+              </p:cNvPr>
+              <p:cNvGrpSpPr/>
+              <p:nvPr/>
+            </p:nvGrpSpPr>
+            <p:grpSpPr>
+              <a:xfrm>
+                <a:off x="1400825" y="1727058"/>
+                <a:ext cx="2793912" cy="4693638"/>
+                <a:chOff x="4359479" y="394282"/>
+                <a:chExt cx="3473042" cy="5834543"/>
+              </a:xfrm>
+            </p:grpSpPr>
+            <p:grpSp>
+              <p:nvGrpSpPr>
+                <p:cNvPr id="19" name="그룹 18">
+                  <a:extLst>
+                    <a:ext uri="{FF2B5EF4-FFF2-40B4-BE49-F238E27FC236}">
+                      <a16:creationId xmlns:a16="http://schemas.microsoft.com/office/drawing/2014/main" id="{BD4438D5-CBB9-46F2-914D-2279AA8C6DFA}"/>
+                    </a:ext>
+                  </a:extLst>
+                </p:cNvPr>
+                <p:cNvGrpSpPr/>
+                <p:nvPr/>
+              </p:nvGrpSpPr>
+              <p:grpSpPr>
+                <a:xfrm>
+                  <a:off x="4359479" y="394282"/>
+                  <a:ext cx="3473042" cy="5834543"/>
+                  <a:chOff x="704675" y="369115"/>
+                  <a:chExt cx="3473042" cy="5834543"/>
+                </a:xfrm>
+              </p:grpSpPr>
+              <p:sp>
+                <p:nvSpPr>
+                  <p:cNvPr id="21" name="사각형: 둥근 모서리 20">
+                    <a:extLst>
+                      <a:ext uri="{FF2B5EF4-FFF2-40B4-BE49-F238E27FC236}">
+                        <a16:creationId xmlns:a16="http://schemas.microsoft.com/office/drawing/2014/main" id="{75B451E9-39A9-4C7C-957C-4D0C127DE488}"/>
+                      </a:ext>
+                    </a:extLst>
+                  </p:cNvPr>
+                  <p:cNvSpPr/>
+                  <p:nvPr/>
+                </p:nvSpPr>
+                <p:spPr>
+                  <a:xfrm>
+                    <a:off x="704675" y="369115"/>
+                    <a:ext cx="3473042" cy="5834543"/>
+                  </a:xfrm>
+                  <a:prstGeom prst="roundRect">
+                    <a:avLst/>
+                  </a:prstGeom>
+                  <a:solidFill>
+                    <a:schemeClr val="bg1"/>
+                  </a:solidFill>
+                  <a:ln>
+                    <a:solidFill>
+                      <a:schemeClr val="bg1">
+                        <a:lumMod val="85000"/>
+                      </a:schemeClr>
+                    </a:solidFill>
+                  </a:ln>
+                </p:spPr>
+                <p:style>
+                  <a:lnRef idx="2">
+                    <a:schemeClr val="accent1">
+                      <a:shade val="50000"/>
+                    </a:schemeClr>
+                  </a:lnRef>
+                  <a:fillRef idx="1">
+                    <a:schemeClr val="accent1"/>
+                  </a:fillRef>
+                  <a:effectRef idx="0">
+                    <a:schemeClr val="accent1"/>
+                  </a:effectRef>
+                  <a:fontRef idx="minor">
+                    <a:schemeClr val="lt1"/>
+                  </a:fontRef>
+                </p:style>
+                <p:txBody>
+                  <a:bodyPr rtlCol="0" anchor="ctr"/>
+                  <a:lstStyle/>
+                  <a:p>
+                    <a:pPr algn="ctr"/>
+                    <a:endParaRPr lang="ko-KR" altLang="en-US"/>
+                  </a:p>
+                </p:txBody>
+              </p:sp>
+              <p:cxnSp>
+                <p:nvCxnSpPr>
+                  <p:cNvPr id="22" name="직선 연결선 21">
+                    <a:extLst>
+                      <a:ext uri="{FF2B5EF4-FFF2-40B4-BE49-F238E27FC236}">
+                        <a16:creationId xmlns:a16="http://schemas.microsoft.com/office/drawing/2014/main" id="{2104703A-6B53-4AF8-887E-E0EF222E9899}"/>
+                      </a:ext>
+                    </a:extLst>
+                  </p:cNvPr>
+                  <p:cNvCxnSpPr>
+                    <a:cxnSpLocks/>
+                  </p:cNvCxnSpPr>
+                  <p:nvPr/>
+                </p:nvCxnSpPr>
+                <p:spPr>
+                  <a:xfrm>
+                    <a:off x="2004969" y="620785"/>
+                    <a:ext cx="864066" cy="0"/>
+                  </a:xfrm>
+                  <a:prstGeom prst="line">
+                    <a:avLst/>
+                  </a:prstGeom>
+                  <a:ln w="28575">
+                    <a:solidFill>
+                      <a:schemeClr val="bg1">
+                        <a:lumMod val="85000"/>
+                      </a:schemeClr>
+                    </a:solidFill>
+                  </a:ln>
+                </p:spPr>
+                <p:style>
+                  <a:lnRef idx="1">
+                    <a:schemeClr val="accent1"/>
+                  </a:lnRef>
+                  <a:fillRef idx="0">
+                    <a:schemeClr val="accent1"/>
+                  </a:fillRef>
+                  <a:effectRef idx="0">
+                    <a:schemeClr val="accent1"/>
+                  </a:effectRef>
+                  <a:fontRef idx="minor">
+                    <a:schemeClr val="tx1"/>
+                  </a:fontRef>
+                </p:style>
+              </p:cxnSp>
+            </p:grpSp>
+            <p:pic>
+              <p:nvPicPr>
+                <p:cNvPr id="20" name="그림 19">
+                  <a:extLst>
+                    <a:ext uri="{FF2B5EF4-FFF2-40B4-BE49-F238E27FC236}">
+                      <a16:creationId xmlns:a16="http://schemas.microsoft.com/office/drawing/2014/main" id="{A5F0A0CF-70A7-4E20-8F79-29D2CA3B8315}"/>
+                    </a:ext>
+                  </a:extLst>
+                </p:cNvPr>
+                <p:cNvPicPr>
+                  <a:picLocks noChangeAspect="1"/>
+                </p:cNvPicPr>
+                <p:nvPr/>
+              </p:nvPicPr>
+              <p:blipFill rotWithShape="1">
+                <a:blip r:embed="rId3">
+                  <a:extLst>
+                    <a:ext uri="{28A0092B-C50C-407E-A947-70E740481C1C}">
+                      <a14:useLocalDpi xmlns:a14="http://schemas.microsoft.com/office/drawing/2010/main" val="0"/>
+                    </a:ext>
+                  </a:extLst>
+                </a:blip>
+                <a:srcRect t="784"/>
+                <a:stretch/>
+              </p:blipFill>
+              <p:spPr>
+                <a:xfrm>
+                  <a:off x="4560914" y="1046527"/>
+                  <a:ext cx="3061784" cy="4781723"/>
+                </a:xfrm>
+                <a:prstGeom prst="rect">
+                  <a:avLst/>
+                </a:prstGeom>
+                <a:ln>
+                  <a:solidFill>
+                    <a:schemeClr val="bg1">
+                      <a:lumMod val="85000"/>
+                    </a:schemeClr>
+                  </a:solidFill>
+                </a:ln>
+              </p:spPr>
+            </p:pic>
+          </p:grpSp>
+        </p:grpSp>
+        <p:pic>
+          <p:nvPicPr>
+            <p:cNvPr id="25" name="그림 24">
+              <a:extLst>
+                <a:ext uri="{FF2B5EF4-FFF2-40B4-BE49-F238E27FC236}">
+                  <a16:creationId xmlns:a16="http://schemas.microsoft.com/office/drawing/2014/main" id="{6D8CE8CA-FFBC-40A1-93DB-561E9311E157}"/>
+                </a:ext>
+              </a:extLst>
+            </p:cNvPr>
+            <p:cNvPicPr>
+              <a:picLocks noChangeAspect="1"/>
+            </p:cNvPicPr>
+            <p:nvPr/>
+          </p:nvPicPr>
+          <p:blipFill rotWithShape="1">
+            <a:blip r:embed="rId4"/>
+            <a:srcRect b="27157"/>
+            <a:stretch/>
+          </p:blipFill>
+          <p:spPr>
+            <a:xfrm>
+              <a:off x="1562872" y="2251761"/>
+              <a:ext cx="2453686" cy="3846690"/>
+            </a:xfrm>
+            <a:prstGeom prst="rect">
+              <a:avLst/>
+            </a:prstGeom>
+          </p:spPr>
+        </p:pic>
+      </p:grpSp>
+    </p:spTree>
+    <p:extLst>
+      <p:ext uri="{BB962C8B-B14F-4D97-AF65-F5344CB8AC3E}">
+        <p14:creationId xmlns:p14="http://schemas.microsoft.com/office/powerpoint/2010/main" val="3454195849"/>
+      </p:ext>
+    </p:extLst>
+  </p:cSld>
+  <p:clrMapOvr>
+    <a:masterClrMapping/>
+  </p:clrMapOvr>
+</p:sld>
+</file>
+
+<file path=ppt/slides/slide4.xml><?xml version="1.0" encoding="utf-8"?>
+<p:sld xmlns:a="http://schemas.openxmlformats.org/drawingml/2006/main" xmlns:r="http://schemas.openxmlformats.org/officeDocument/2006/relationships" xmlns:p="http://schemas.openxmlformats.org/presentationml/2006/main">
+  <p:cSld>
+    <p:spTree>
+      <p:nvGrpSpPr>
+        <p:cNvPr id="1" name=""/>
+        <p:cNvGrpSpPr/>
+        <p:nvPr/>
+      </p:nvGrpSpPr>
+      <p:grpSpPr>
+        <a:xfrm>
+          <a:off x="0" y="0"/>
+          <a:ext cx="0" cy="0"/>
+          <a:chOff x="0" y="0"/>
+          <a:chExt cx="0" cy="0"/>
+        </a:xfrm>
+      </p:grpSpPr>
+      <p:grpSp>
+        <p:nvGrpSpPr>
+          <p:cNvPr id="15" name="그룹 14">
+            <a:extLst>
+              <a:ext uri="{FF2B5EF4-FFF2-40B4-BE49-F238E27FC236}">
+                <a16:creationId xmlns:a16="http://schemas.microsoft.com/office/drawing/2014/main" id="{3913B654-F3D3-4E24-8E32-42020C27F178}"/>
+              </a:ext>
+            </a:extLst>
+          </p:cNvPr>
+          <p:cNvGrpSpPr/>
+          <p:nvPr/>
+        </p:nvGrpSpPr>
+        <p:grpSpPr>
+          <a:xfrm>
+            <a:off x="4359479" y="394282"/>
+            <a:ext cx="3473042" cy="5834543"/>
+            <a:chOff x="4359479" y="394282"/>
+            <a:chExt cx="3473042" cy="5834543"/>
+          </a:xfrm>
+        </p:grpSpPr>
+        <p:grpSp>
+          <p:nvGrpSpPr>
+            <p:cNvPr id="10" name="그룹 9">
+              <a:extLst>
+                <a:ext uri="{FF2B5EF4-FFF2-40B4-BE49-F238E27FC236}">
+                  <a16:creationId xmlns:a16="http://schemas.microsoft.com/office/drawing/2014/main" id="{2718ACF3-DFB0-40A7-9AA3-BD1F38DFE78A}"/>
+                </a:ext>
+              </a:extLst>
+            </p:cNvPr>
+            <p:cNvGrpSpPr/>
+            <p:nvPr/>
+          </p:nvGrpSpPr>
+          <p:grpSpPr>
+            <a:xfrm>
+              <a:off x="4359479" y="394282"/>
+              <a:ext cx="3473042" cy="5834543"/>
               <a:chOff x="4359479" y="394282"/>
               <a:chExt cx="3473042" cy="5834543"/>
             </a:xfrm>
           </p:grpSpPr>
           <p:grpSp>
             <p:nvGrpSpPr>
-              <p:cNvPr id="19" name="그룹 18">
+              <p:cNvPr id="4" name="그룹 3">
                 <a:extLst>
                   <a:ext uri="{FF2B5EF4-FFF2-40B4-BE49-F238E27FC236}">
-                    <a16:creationId xmlns:a16="http://schemas.microsoft.com/office/drawing/2014/main" id="{BD4438D5-CBB9-46F2-914D-2279AA8C6DFA}"/>
+                    <a16:creationId xmlns:a16="http://schemas.microsoft.com/office/drawing/2014/main" id="{07CC2552-F830-4BA4-A830-C698CDEC6AFF}"/>
                   </a:ext>
                 </a:extLst>
               </p:cNvPr>
@@ -5106,10 +5509,10 @@
             </p:grpSpPr>
             <p:sp>
               <p:nvSpPr>
-                <p:cNvPr id="21" name="사각형: 둥근 모서리 20">
+                <p:cNvPr id="5" name="사각형: 둥근 모서리 4">
                   <a:extLst>
                     <a:ext uri="{FF2B5EF4-FFF2-40B4-BE49-F238E27FC236}">
-                      <a16:creationId xmlns:a16="http://schemas.microsoft.com/office/drawing/2014/main" id="{75B451E9-39A9-4C7C-957C-4D0C127DE488}"/>
+                      <a16:creationId xmlns:a16="http://schemas.microsoft.com/office/drawing/2014/main" id="{8CB56396-368F-4E99-B120-38C46E8CCDB2}"/>
                     </a:ext>
                   </a:extLst>
                 </p:cNvPr>
@@ -5162,10 +5565,10 @@
             </p:sp>
             <p:cxnSp>
               <p:nvCxnSpPr>
-                <p:cNvPr id="22" name="직선 연결선 21">
+                <p:cNvPr id="6" name="직선 연결선 5">
                   <a:extLst>
                     <a:ext uri="{FF2B5EF4-FFF2-40B4-BE49-F238E27FC236}">
-                      <a16:creationId xmlns:a16="http://schemas.microsoft.com/office/drawing/2014/main" id="{2104703A-6B53-4AF8-887E-E0EF222E9899}"/>
+                      <a16:creationId xmlns:a16="http://schemas.microsoft.com/office/drawing/2014/main" id="{D527691D-5242-4430-863B-28CB13B75436}"/>
                     </a:ext>
                   </a:extLst>
                 </p:cNvPr>
@@ -5208,10 +5611,10 @@
           </p:grpSp>
           <p:pic>
             <p:nvPicPr>
-              <p:cNvPr id="20" name="그림 19">
+              <p:cNvPr id="9" name="그림 8">
                 <a:extLst>
                   <a:ext uri="{FF2B5EF4-FFF2-40B4-BE49-F238E27FC236}">
-                    <a16:creationId xmlns:a16="http://schemas.microsoft.com/office/drawing/2014/main" id="{A5F0A0CF-70A7-4E20-8F79-29D2CA3B8315}"/>
+                    <a16:creationId xmlns:a16="http://schemas.microsoft.com/office/drawing/2014/main" id="{A85D6D69-1CC5-4C41-891C-5E938097A2FC}"/>
                   </a:ext>
                 </a:extLst>
               </p:cNvPr>
@@ -5221,7 +5624,7 @@
               <p:nvPr/>
             </p:nvPicPr>
             <p:blipFill rotWithShape="1">
-              <a:blip r:embed="rId3">
+              <a:blip r:embed="rId2">
                 <a:extLst>
                   <a:ext uri="{28A0092B-C50C-407E-A947-70E740481C1C}">
                     <a14:useLocalDpi xmlns:a14="http://schemas.microsoft.com/office/drawing/2010/main" val="0"/>
@@ -5249,185 +5652,12 @@
             </p:spPr>
           </p:pic>
         </p:grpSp>
-      </p:grpSp>
-    </p:spTree>
-    <p:extLst>
-      <p:ext uri="{BB962C8B-B14F-4D97-AF65-F5344CB8AC3E}">
-        <p14:creationId xmlns:p14="http://schemas.microsoft.com/office/powerpoint/2010/main" val="3454195849"/>
-      </p:ext>
-    </p:extLst>
-  </p:cSld>
-  <p:clrMapOvr>
-    <a:masterClrMapping/>
-  </p:clrMapOvr>
-</p:sld>
-</file>
-
-<file path=ppt/slides/slide4.xml><?xml version="1.0" encoding="utf-8"?>
-<p:sld xmlns:a="http://schemas.openxmlformats.org/drawingml/2006/main" xmlns:r="http://schemas.openxmlformats.org/officeDocument/2006/relationships" xmlns:p="http://schemas.openxmlformats.org/presentationml/2006/main">
-  <p:cSld>
-    <p:spTree>
-      <p:nvGrpSpPr>
-        <p:cNvPr id="1" name=""/>
-        <p:cNvGrpSpPr/>
-        <p:nvPr/>
-      </p:nvGrpSpPr>
-      <p:grpSpPr>
-        <a:xfrm>
-          <a:off x="0" y="0"/>
-          <a:ext cx="0" cy="0"/>
-          <a:chOff x="0" y="0"/>
-          <a:chExt cx="0" cy="0"/>
-        </a:xfrm>
-      </p:grpSpPr>
-      <p:grpSp>
-        <p:nvGrpSpPr>
-          <p:cNvPr id="10" name="그룹 9">
-            <a:extLst>
-              <a:ext uri="{FF2B5EF4-FFF2-40B4-BE49-F238E27FC236}">
-                <a16:creationId xmlns:a16="http://schemas.microsoft.com/office/drawing/2014/main" id="{2718ACF3-DFB0-40A7-9AA3-BD1F38DFE78A}"/>
-              </a:ext>
-            </a:extLst>
-          </p:cNvPr>
-          <p:cNvGrpSpPr/>
-          <p:nvPr/>
-        </p:nvGrpSpPr>
-        <p:grpSpPr>
-          <a:xfrm>
-            <a:off x="4359479" y="394282"/>
-            <a:ext cx="3473042" cy="5834543"/>
-            <a:chOff x="4359479" y="394282"/>
-            <a:chExt cx="3473042" cy="5834543"/>
-          </a:xfrm>
-        </p:grpSpPr>
-        <p:grpSp>
-          <p:nvGrpSpPr>
-            <p:cNvPr id="4" name="그룹 3">
+        <p:pic>
+          <p:nvPicPr>
+            <p:cNvPr id="3" name="그림 2" descr="텍스트이(가) 표시된 사진&#10;&#10;자동 생성된 설명">
               <a:extLst>
                 <a:ext uri="{FF2B5EF4-FFF2-40B4-BE49-F238E27FC236}">
-                  <a16:creationId xmlns:a16="http://schemas.microsoft.com/office/drawing/2014/main" id="{07CC2552-F830-4BA4-A830-C698CDEC6AFF}"/>
-                </a:ext>
-              </a:extLst>
-            </p:cNvPr>
-            <p:cNvGrpSpPr/>
-            <p:nvPr/>
-          </p:nvGrpSpPr>
-          <p:grpSpPr>
-            <a:xfrm>
-              <a:off x="4359479" y="394282"/>
-              <a:ext cx="3473042" cy="5834543"/>
-              <a:chOff x="704675" y="369115"/>
-              <a:chExt cx="3473042" cy="5834543"/>
-            </a:xfrm>
-          </p:grpSpPr>
-          <p:sp>
-            <p:nvSpPr>
-              <p:cNvPr id="5" name="사각형: 둥근 모서리 4">
-                <a:extLst>
-                  <a:ext uri="{FF2B5EF4-FFF2-40B4-BE49-F238E27FC236}">
-                    <a16:creationId xmlns:a16="http://schemas.microsoft.com/office/drawing/2014/main" id="{8CB56396-368F-4E99-B120-38C46E8CCDB2}"/>
-                  </a:ext>
-                </a:extLst>
-              </p:cNvPr>
-              <p:cNvSpPr/>
-              <p:nvPr/>
-            </p:nvSpPr>
-            <p:spPr>
-              <a:xfrm>
-                <a:off x="704675" y="369115"/>
-                <a:ext cx="3473042" cy="5834543"/>
-              </a:xfrm>
-              <a:prstGeom prst="roundRect">
-                <a:avLst/>
-              </a:prstGeom>
-              <a:solidFill>
-                <a:schemeClr val="bg1"/>
-              </a:solidFill>
-              <a:ln>
-                <a:solidFill>
-                  <a:schemeClr val="bg1">
-                    <a:lumMod val="85000"/>
-                  </a:schemeClr>
-                </a:solidFill>
-              </a:ln>
-            </p:spPr>
-            <p:style>
-              <a:lnRef idx="2">
-                <a:schemeClr val="accent1">
-                  <a:shade val="50000"/>
-                </a:schemeClr>
-              </a:lnRef>
-              <a:fillRef idx="1">
-                <a:schemeClr val="accent1"/>
-              </a:fillRef>
-              <a:effectRef idx="0">
-                <a:schemeClr val="accent1"/>
-              </a:effectRef>
-              <a:fontRef idx="minor">
-                <a:schemeClr val="lt1"/>
-              </a:fontRef>
-            </p:style>
-            <p:txBody>
-              <a:bodyPr rtlCol="0" anchor="ctr"/>
-              <a:lstStyle/>
-              <a:p>
-                <a:pPr algn="ctr"/>
-                <a:endParaRPr lang="ko-KR" altLang="en-US"/>
-              </a:p>
-            </p:txBody>
-          </p:sp>
-          <p:cxnSp>
-            <p:nvCxnSpPr>
-              <p:cNvPr id="6" name="직선 연결선 5">
-                <a:extLst>
-                  <a:ext uri="{FF2B5EF4-FFF2-40B4-BE49-F238E27FC236}">
-                    <a16:creationId xmlns:a16="http://schemas.microsoft.com/office/drawing/2014/main" id="{D527691D-5242-4430-863B-28CB13B75436}"/>
-                  </a:ext>
-                </a:extLst>
-              </p:cNvPr>
-              <p:cNvCxnSpPr>
-                <a:cxnSpLocks/>
-              </p:cNvCxnSpPr>
-              <p:nvPr/>
-            </p:nvCxnSpPr>
-            <p:spPr>
-              <a:xfrm>
-                <a:off x="2004969" y="620785"/>
-                <a:ext cx="864066" cy="0"/>
-              </a:xfrm>
-              <a:prstGeom prst="line">
-                <a:avLst/>
-              </a:prstGeom>
-              <a:ln w="28575">
-                <a:solidFill>
-                  <a:schemeClr val="bg1">
-                    <a:lumMod val="85000"/>
-                  </a:schemeClr>
-                </a:solidFill>
-              </a:ln>
-            </p:spPr>
-            <p:style>
-              <a:lnRef idx="1">
-                <a:schemeClr val="accent1"/>
-              </a:lnRef>
-              <a:fillRef idx="0">
-                <a:schemeClr val="accent1"/>
-              </a:fillRef>
-              <a:effectRef idx="0">
-                <a:schemeClr val="accent1"/>
-              </a:effectRef>
-              <a:fontRef idx="minor">
-                <a:schemeClr val="tx1"/>
-              </a:fontRef>
-            </p:style>
-          </p:cxnSp>
-        </p:grpSp>
-        <p:pic>
-          <p:nvPicPr>
-            <p:cNvPr id="9" name="그림 8">
-              <a:extLst>
-                <a:ext uri="{FF2B5EF4-FFF2-40B4-BE49-F238E27FC236}">
-                  <a16:creationId xmlns:a16="http://schemas.microsoft.com/office/drawing/2014/main" id="{A85D6D69-1CC5-4C41-891C-5E938097A2FC}"/>
+                  <a16:creationId xmlns:a16="http://schemas.microsoft.com/office/drawing/2014/main" id="{977D445A-3A91-4ED0-8C1A-F04A6A2F9D9F}"/>
                 </a:ext>
               </a:extLst>
             </p:cNvPr>
@@ -5437,31 +5667,53 @@
             <p:nvPr/>
           </p:nvPicPr>
           <p:blipFill rotWithShape="1">
-            <a:blip r:embed="rId2">
+            <a:blip r:embed="rId3">
               <a:extLst>
                 <a:ext uri="{28A0092B-C50C-407E-A947-70E740481C1C}">
                   <a14:useLocalDpi xmlns:a14="http://schemas.microsoft.com/office/drawing/2010/main" val="0"/>
                 </a:ext>
               </a:extLst>
             </a:blip>
-            <a:srcRect t="784"/>
+            <a:srcRect b="22313"/>
             <a:stretch/>
           </p:blipFill>
           <p:spPr>
             <a:xfrm>
-              <a:off x="4560914" y="1046527"/>
-              <a:ext cx="3061784" cy="4781723"/>
+              <a:off x="4560915" y="1029751"/>
+              <a:ext cx="3061784" cy="4798500"/>
             </a:xfrm>
             <a:prstGeom prst="rect">
               <a:avLst/>
             </a:prstGeom>
-            <a:ln>
-              <a:solidFill>
-                <a:schemeClr val="bg1">
-                  <a:lumMod val="85000"/>
-                </a:schemeClr>
-              </a:solidFill>
-            </a:ln>
+          </p:spPr>
+        </p:pic>
+        <p:pic>
+          <p:nvPicPr>
+            <p:cNvPr id="14" name="그림 13">
+              <a:extLst>
+                <a:ext uri="{FF2B5EF4-FFF2-40B4-BE49-F238E27FC236}">
+                  <a16:creationId xmlns:a16="http://schemas.microsoft.com/office/drawing/2014/main" id="{737E30EE-7424-4BDD-880E-43F11477B05D}"/>
+                </a:ext>
+              </a:extLst>
+            </p:cNvPr>
+            <p:cNvPicPr>
+              <a:picLocks noChangeAspect="1"/>
+            </p:cNvPicPr>
+            <p:nvPr/>
+          </p:nvPicPr>
+          <p:blipFill rotWithShape="1">
+            <a:blip r:embed="rId4"/>
+            <a:srcRect b="27157"/>
+            <a:stretch/>
+          </p:blipFill>
+          <p:spPr>
+            <a:xfrm>
+              <a:off x="4560914" y="1046526"/>
+              <a:ext cx="3060817" cy="4798500"/>
+            </a:xfrm>
+            <a:prstGeom prst="rect">
+              <a:avLst/>
+            </a:prstGeom>
           </p:spPr>
         </p:pic>
       </p:grpSp>
